--- a/paper/Presentation_May17_Final.pptx
+++ b/paper/Presentation_May17_Final.pptx
@@ -463,8 +463,8 @@
         </c:dLbls>
         <c:marker val="1"/>
         <c:smooth val="0"/>
-        <c:axId val="2129342952"/>
-        <c:axId val="2132152232"/>
+        <c:axId val="2119683368"/>
+        <c:axId val="2119687832"/>
       </c:lineChart>
       <c:lineChart>
         <c:grouping val="standard"/>
@@ -681,11 +681,11 @@
         </c:dLbls>
         <c:marker val="1"/>
         <c:smooth val="0"/>
-        <c:axId val="2130505896"/>
-        <c:axId val="2132568360"/>
+        <c:axId val="2119758792"/>
+        <c:axId val="2119819000"/>
       </c:lineChart>
       <c:catAx>
-        <c:axId val="2129342952"/>
+        <c:axId val="2119683368"/>
         <c:scaling>
           <c:orientation val="minMax"/>
         </c:scaling>
@@ -714,7 +714,7 @@
         <c:majorTickMark val="out"/>
         <c:minorTickMark val="none"/>
         <c:tickLblPos val="nextTo"/>
-        <c:crossAx val="2132152232"/>
+        <c:crossAx val="2119687832"/>
         <c:crosses val="autoZero"/>
         <c:auto val="1"/>
         <c:lblAlgn val="ctr"/>
@@ -722,7 +722,7 @@
         <c:noMultiLvlLbl val="0"/>
       </c:catAx>
       <c:valAx>
-        <c:axId val="2132152232"/>
+        <c:axId val="2119687832"/>
         <c:scaling>
           <c:orientation val="minMax"/>
         </c:scaling>
@@ -760,12 +760,12 @@
         <c:majorTickMark val="out"/>
         <c:minorTickMark val="none"/>
         <c:tickLblPos val="nextTo"/>
-        <c:crossAx val="2129342952"/>
+        <c:crossAx val="2119683368"/>
         <c:crosses val="autoZero"/>
         <c:crossBetween val="between"/>
       </c:valAx>
       <c:valAx>
-        <c:axId val="2132568360"/>
+        <c:axId val="2119819000"/>
         <c:scaling>
           <c:orientation val="minMax"/>
         </c:scaling>
@@ -794,12 +794,12 @@
         <c:majorTickMark val="out"/>
         <c:minorTickMark val="none"/>
         <c:tickLblPos val="nextTo"/>
-        <c:crossAx val="2130505896"/>
+        <c:crossAx val="2119758792"/>
         <c:crosses val="max"/>
         <c:crossBetween val="between"/>
       </c:valAx>
       <c:catAx>
-        <c:axId val="2130505896"/>
+        <c:axId val="2119758792"/>
         <c:scaling>
           <c:orientation val="minMax"/>
         </c:scaling>
@@ -809,7 +809,7 @@
         <c:majorTickMark val="out"/>
         <c:minorTickMark val="none"/>
         <c:tickLblPos val="nextTo"/>
-        <c:crossAx val="2132568360"/>
+        <c:crossAx val="2119819000"/>
         <c:crosses val="autoZero"/>
         <c:auto val="1"/>
         <c:lblAlgn val="ctr"/>
@@ -975,8 +975,8 @@
         </c:dLbls>
         <c:marker val="1"/>
         <c:smooth val="0"/>
-        <c:axId val="2128864936"/>
-        <c:axId val="2126812392"/>
+        <c:axId val="2119703096"/>
+        <c:axId val="2119721480"/>
       </c:lineChart>
       <c:lineChart>
         <c:grouping val="standard"/>
@@ -1080,11 +1080,11 @@
         </c:dLbls>
         <c:marker val="1"/>
         <c:smooth val="0"/>
-        <c:axId val="2128867448"/>
-        <c:axId val="2126965064"/>
+        <c:axId val="2129008664"/>
+        <c:axId val="2119705784"/>
       </c:lineChart>
       <c:catAx>
-        <c:axId val="2128864936"/>
+        <c:axId val="2119703096"/>
         <c:scaling>
           <c:orientation val="minMax"/>
         </c:scaling>
@@ -1113,7 +1113,7 @@
         <c:majorTickMark val="out"/>
         <c:minorTickMark val="none"/>
         <c:tickLblPos val="nextTo"/>
-        <c:crossAx val="2126812392"/>
+        <c:crossAx val="2119721480"/>
         <c:crosses val="autoZero"/>
         <c:auto val="1"/>
         <c:lblAlgn val="ctr"/>
@@ -1121,7 +1121,7 @@
         <c:noMultiLvlLbl val="0"/>
       </c:catAx>
       <c:valAx>
-        <c:axId val="2126812392"/>
+        <c:axId val="2119721480"/>
         <c:scaling>
           <c:orientation val="minMax"/>
         </c:scaling>
@@ -1151,12 +1151,12 @@
         <c:majorTickMark val="out"/>
         <c:minorTickMark val="none"/>
         <c:tickLblPos val="nextTo"/>
-        <c:crossAx val="2128864936"/>
+        <c:crossAx val="2119703096"/>
         <c:crosses val="autoZero"/>
         <c:crossBetween val="between"/>
       </c:valAx>
       <c:valAx>
-        <c:axId val="2126965064"/>
+        <c:axId val="2119705784"/>
         <c:scaling>
           <c:orientation val="minMax"/>
         </c:scaling>
@@ -1190,12 +1190,12 @@
         <c:majorTickMark val="out"/>
         <c:minorTickMark val="none"/>
         <c:tickLblPos val="nextTo"/>
-        <c:crossAx val="2128867448"/>
+        <c:crossAx val="2129008664"/>
         <c:crosses val="max"/>
         <c:crossBetween val="between"/>
       </c:valAx>
       <c:catAx>
-        <c:axId val="2128867448"/>
+        <c:axId val="2129008664"/>
         <c:scaling>
           <c:orientation val="minMax"/>
         </c:scaling>
@@ -1205,7 +1205,7 @@
         <c:majorTickMark val="out"/>
         <c:minorTickMark val="none"/>
         <c:tickLblPos val="nextTo"/>
-        <c:crossAx val="2126965064"/>
+        <c:crossAx val="2119705784"/>
         <c:crosses val="autoZero"/>
         <c:auto val="1"/>
         <c:lblAlgn val="ctr"/>
@@ -1498,11 +1498,11 @@
         </c:dLbls>
         <c:marker val="1"/>
         <c:smooth val="0"/>
-        <c:axId val="2131097416"/>
-        <c:axId val="2131460008"/>
+        <c:axId val="2132030392"/>
+        <c:axId val="2132036088"/>
       </c:lineChart>
       <c:catAx>
-        <c:axId val="2131097416"/>
+        <c:axId val="2132030392"/>
         <c:scaling>
           <c:orientation val="minMax"/>
         </c:scaling>
@@ -1536,7 +1536,7 @@
         <c:majorTickMark val="out"/>
         <c:minorTickMark val="none"/>
         <c:tickLblPos val="nextTo"/>
-        <c:crossAx val="2131460008"/>
+        <c:crossAx val="2132036088"/>
         <c:crosses val="autoZero"/>
         <c:auto val="1"/>
         <c:lblAlgn val="ctr"/>
@@ -1544,7 +1544,7 @@
         <c:noMultiLvlLbl val="0"/>
       </c:catAx>
       <c:valAx>
-        <c:axId val="2131460008"/>
+        <c:axId val="2132036088"/>
         <c:scaling>
           <c:orientation val="minMax"/>
         </c:scaling>
@@ -1562,7 +1562,7 @@
                 </a:pPr>
                 <a:r>
                   <a:rPr lang="en-US"/>
-                  <a:t>% of content needed</a:t>
+                  <a:t>Proportion of content needed</a:t>
                 </a:r>
               </a:p>
             </c:rich>
@@ -1574,7 +1574,7 @@
         <c:majorTickMark val="out"/>
         <c:minorTickMark val="none"/>
         <c:tickLblPos val="nextTo"/>
-        <c:crossAx val="2131097416"/>
+        <c:crossAx val="2132030392"/>
         <c:crosses val="autoZero"/>
         <c:crossBetween val="between"/>
       </c:valAx>
@@ -2085,11 +2085,11 @@
         </c:dLbls>
         <c:marker val="1"/>
         <c:smooth val="0"/>
-        <c:axId val="2131202776"/>
-        <c:axId val="2131208232"/>
+        <c:axId val="2116147880"/>
+        <c:axId val="2129224680"/>
       </c:lineChart>
       <c:catAx>
-        <c:axId val="2131202776"/>
+        <c:axId val="2116147880"/>
         <c:scaling>
           <c:orientation val="minMax"/>
         </c:scaling>
@@ -2118,7 +2118,7 @@
         <c:majorTickMark val="out"/>
         <c:minorTickMark val="none"/>
         <c:tickLblPos val="nextTo"/>
-        <c:crossAx val="2131208232"/>
+        <c:crossAx val="2129224680"/>
         <c:crosses val="autoZero"/>
         <c:auto val="1"/>
         <c:lblAlgn val="ctr"/>
@@ -2126,7 +2126,7 @@
         <c:noMultiLvlLbl val="0"/>
       </c:catAx>
       <c:valAx>
-        <c:axId val="2131208232"/>
+        <c:axId val="2129224680"/>
         <c:scaling>
           <c:orientation val="minMax"/>
         </c:scaling>
@@ -2161,7 +2161,7 @@
         <c:majorTickMark val="out"/>
         <c:minorTickMark val="none"/>
         <c:tickLblPos val="nextTo"/>
-        <c:crossAx val="2131202776"/>
+        <c:crossAx val="2116147880"/>
         <c:crosses val="autoZero"/>
         <c:crossBetween val="between"/>
       </c:valAx>
@@ -2495,7 +2495,7 @@
         <p:nvSpPr>
           <p:cNvPr id="5126" name="Rectangle 6"/>
           <p:cNvSpPr>
-            <a:spLocks noGrp="1" noChangeArrowheads="1"/>
+            <a:spLocks noGrp="1" noRot="1" noChangeAspect="1" noChangeArrowheads="1"/>
           </p:cNvSpPr>
           <p:nvPr>
             <p:ph type="sldImg"/>
@@ -3189,7 +3189,7 @@
         <p:nvSpPr>
           <p:cNvPr id="20481" name="Text Box 1"/>
           <p:cNvSpPr txBox="1">
-            <a:spLocks noChangeArrowheads="1"/>
+            <a:spLocks noGrp="1" noRot="1" noChangeAspect="1" noChangeArrowheads="1"/>
           </p:cNvSpPr>
           <p:nvPr>
             <p:ph type="sldImg"/>
@@ -3233,7 +3233,7 @@
         <p:nvSpPr>
           <p:cNvPr id="20482" name="Text Box 2"/>
           <p:cNvSpPr txBox="1">
-            <a:spLocks noChangeArrowheads="1"/>
+            <a:spLocks noGrp="1" noChangeArrowheads="1"/>
           </p:cNvSpPr>
           <p:nvPr>
             <p:ph type="body" idx="1"/>
@@ -3351,7 +3351,7 @@
         <p:nvSpPr>
           <p:cNvPr id="29697" name="Text Box 1"/>
           <p:cNvSpPr txBox="1">
-            <a:spLocks noChangeArrowheads="1"/>
+            <a:spLocks noGrp="1" noRot="1" noChangeAspect="1" noChangeArrowheads="1"/>
           </p:cNvSpPr>
           <p:nvPr>
             <p:ph type="sldImg"/>
@@ -3395,7 +3395,7 @@
         <p:nvSpPr>
           <p:cNvPr id="29698" name="Text Box 2"/>
           <p:cNvSpPr txBox="1">
-            <a:spLocks noChangeArrowheads="1"/>
+            <a:spLocks noGrp="1" noChangeArrowheads="1"/>
           </p:cNvSpPr>
           <p:nvPr>
             <p:ph type="body" idx="1"/>
@@ -3513,7 +3513,7 @@
         <p:nvSpPr>
           <p:cNvPr id="32769" name="Text Box 1"/>
           <p:cNvSpPr txBox="1">
-            <a:spLocks noChangeArrowheads="1"/>
+            <a:spLocks noGrp="1" noRot="1" noChangeAspect="1" noChangeArrowheads="1"/>
           </p:cNvSpPr>
           <p:nvPr>
             <p:ph type="sldImg"/>
@@ -3557,7 +3557,7 @@
         <p:nvSpPr>
           <p:cNvPr id="32770" name="Text Box 2"/>
           <p:cNvSpPr txBox="1">
-            <a:spLocks noChangeArrowheads="1"/>
+            <a:spLocks noGrp="1" noChangeArrowheads="1"/>
           </p:cNvSpPr>
           <p:nvPr>
             <p:ph type="body" idx="1"/>
@@ -3675,7 +3675,7 @@
         <p:nvSpPr>
           <p:cNvPr id="33793" name="Text Box 1"/>
           <p:cNvSpPr txBox="1">
-            <a:spLocks noChangeArrowheads="1"/>
+            <a:spLocks noGrp="1" noRot="1" noChangeAspect="1" noChangeArrowheads="1"/>
           </p:cNvSpPr>
           <p:nvPr>
             <p:ph type="sldImg"/>
@@ -3719,7 +3719,7 @@
         <p:nvSpPr>
           <p:cNvPr id="33794" name="Text Box 2"/>
           <p:cNvSpPr txBox="1">
-            <a:spLocks noChangeArrowheads="1"/>
+            <a:spLocks noGrp="1" noChangeArrowheads="1"/>
           </p:cNvSpPr>
           <p:nvPr>
             <p:ph type="body" idx="1"/>
@@ -3837,7 +3837,7 @@
         <p:nvSpPr>
           <p:cNvPr id="21505" name="Text Box 1"/>
           <p:cNvSpPr txBox="1">
-            <a:spLocks noChangeArrowheads="1"/>
+            <a:spLocks noGrp="1" noRot="1" noChangeAspect="1" noChangeArrowheads="1"/>
           </p:cNvSpPr>
           <p:nvPr>
             <p:ph type="sldImg"/>
@@ -3881,7 +3881,7 @@
         <p:nvSpPr>
           <p:cNvPr id="21506" name="Text Box 2"/>
           <p:cNvSpPr txBox="1">
-            <a:spLocks noChangeArrowheads="1"/>
+            <a:spLocks noGrp="1" noChangeArrowheads="1"/>
           </p:cNvSpPr>
           <p:nvPr>
             <p:ph type="body" idx="1"/>
@@ -3999,7 +3999,7 @@
         <p:nvSpPr>
           <p:cNvPr id="22529" name="Text Box 1"/>
           <p:cNvSpPr txBox="1">
-            <a:spLocks noChangeArrowheads="1"/>
+            <a:spLocks noGrp="1" noRot="1" noChangeAspect="1" noChangeArrowheads="1"/>
           </p:cNvSpPr>
           <p:nvPr>
             <p:ph type="sldImg"/>
@@ -4043,7 +4043,7 @@
         <p:nvSpPr>
           <p:cNvPr id="22530" name="Text Box 2"/>
           <p:cNvSpPr txBox="1">
-            <a:spLocks noChangeArrowheads="1"/>
+            <a:spLocks noGrp="1" noChangeArrowheads="1"/>
           </p:cNvSpPr>
           <p:nvPr>
             <p:ph type="body" idx="1"/>
@@ -4161,7 +4161,7 @@
         <p:nvSpPr>
           <p:cNvPr id="23553" name="Text Box 1"/>
           <p:cNvSpPr txBox="1">
-            <a:spLocks noChangeArrowheads="1"/>
+            <a:spLocks noGrp="1" noRot="1" noChangeAspect="1" noChangeArrowheads="1"/>
           </p:cNvSpPr>
           <p:nvPr>
             <p:ph type="sldImg"/>
@@ -4205,7 +4205,7 @@
         <p:nvSpPr>
           <p:cNvPr id="23554" name="Text Box 2"/>
           <p:cNvSpPr txBox="1">
-            <a:spLocks noChangeArrowheads="1"/>
+            <a:spLocks noGrp="1" noChangeArrowheads="1"/>
           </p:cNvSpPr>
           <p:nvPr>
             <p:ph type="body" idx="1"/>
@@ -4323,7 +4323,7 @@
         <p:nvSpPr>
           <p:cNvPr id="24577" name="Text Box 1"/>
           <p:cNvSpPr txBox="1">
-            <a:spLocks noChangeArrowheads="1"/>
+            <a:spLocks noGrp="1" noRot="1" noChangeAspect="1" noChangeArrowheads="1"/>
           </p:cNvSpPr>
           <p:nvPr>
             <p:ph type="sldImg"/>
@@ -4367,7 +4367,7 @@
         <p:nvSpPr>
           <p:cNvPr id="24578" name="Text Box 2"/>
           <p:cNvSpPr txBox="1">
-            <a:spLocks noChangeArrowheads="1"/>
+            <a:spLocks noGrp="1" noChangeArrowheads="1"/>
           </p:cNvSpPr>
           <p:nvPr>
             <p:ph type="body" idx="1"/>
@@ -4485,7 +4485,7 @@
         <p:nvSpPr>
           <p:cNvPr id="25601" name="Text Box 1"/>
           <p:cNvSpPr txBox="1">
-            <a:spLocks noChangeArrowheads="1"/>
+            <a:spLocks noGrp="1" noRot="1" noChangeAspect="1" noChangeArrowheads="1"/>
           </p:cNvSpPr>
           <p:nvPr>
             <p:ph type="sldImg"/>
@@ -4529,7 +4529,7 @@
         <p:nvSpPr>
           <p:cNvPr id="25602" name="Text Box 2"/>
           <p:cNvSpPr txBox="1">
-            <a:spLocks noChangeArrowheads="1"/>
+            <a:spLocks noGrp="1" noChangeArrowheads="1"/>
           </p:cNvSpPr>
           <p:nvPr>
             <p:ph type="body" idx="1"/>
@@ -4647,7 +4647,7 @@
         <p:nvSpPr>
           <p:cNvPr id="26625" name="Text Box 1"/>
           <p:cNvSpPr txBox="1">
-            <a:spLocks noChangeArrowheads="1"/>
+            <a:spLocks noGrp="1" noRot="1" noChangeAspect="1" noChangeArrowheads="1"/>
           </p:cNvSpPr>
           <p:nvPr>
             <p:ph type="sldImg"/>
@@ -4691,7 +4691,7 @@
         <p:nvSpPr>
           <p:cNvPr id="26626" name="Text Box 2"/>
           <p:cNvSpPr txBox="1">
-            <a:spLocks noChangeArrowheads="1"/>
+            <a:spLocks noGrp="1" noChangeArrowheads="1"/>
           </p:cNvSpPr>
           <p:nvPr>
             <p:ph type="body" idx="1"/>
@@ -4809,7 +4809,7 @@
         <p:nvSpPr>
           <p:cNvPr id="27649" name="Text Box 1"/>
           <p:cNvSpPr txBox="1">
-            <a:spLocks noChangeArrowheads="1"/>
+            <a:spLocks noGrp="1" noRot="1" noChangeAspect="1" noChangeArrowheads="1"/>
           </p:cNvSpPr>
           <p:nvPr>
             <p:ph type="sldImg"/>
@@ -4853,7 +4853,7 @@
         <p:nvSpPr>
           <p:cNvPr id="27650" name="Text Box 2"/>
           <p:cNvSpPr txBox="1">
-            <a:spLocks noChangeArrowheads="1"/>
+            <a:spLocks noGrp="1" noChangeArrowheads="1"/>
           </p:cNvSpPr>
           <p:nvPr>
             <p:ph type="body" idx="1"/>
@@ -4971,7 +4971,7 @@
         <p:nvSpPr>
           <p:cNvPr id="28673" name="Text Box 1"/>
           <p:cNvSpPr txBox="1">
-            <a:spLocks noChangeArrowheads="1"/>
+            <a:spLocks noGrp="1" noRot="1" noChangeAspect="1" noChangeArrowheads="1"/>
           </p:cNvSpPr>
           <p:nvPr>
             <p:ph type="sldImg"/>
@@ -5015,7 +5015,7 @@
         <p:nvSpPr>
           <p:cNvPr id="28674" name="Text Box 2"/>
           <p:cNvSpPr txBox="1">
-            <a:spLocks noChangeArrowheads="1"/>
+            <a:spLocks noGrp="1" noChangeArrowheads="1"/>
           </p:cNvSpPr>
           <p:nvPr>
             <p:ph type="body" idx="1"/>
@@ -17089,7 +17089,7 @@
   <p:timing>
     <p:tnLst>
       <p:par>
-        <p:cTn xmlns:p14="http://schemas.microsoft.com/office/powerpoint/2010/main" id="1" dur="indefinite" nodeType="tmRoot">
+        <p:cTn xmlns:p14="http://schemas.microsoft.com/office/powerpoint/2010/main" id="1" dur="indefinite" restart="never" nodeType="tmRoot">
           <p:childTnLst>
             <p:seq concurrent="1" nextAc="seek">
               <p:cTn id="2" dur="indefinite" nodeType="mainSeq"/>
@@ -17288,7 +17288,7 @@
   <p:timing>
     <p:tnLst>
       <p:par>
-        <p:cTn xmlns:p14="http://schemas.microsoft.com/office/powerpoint/2010/main" id="1" dur="indefinite" nodeType="tmRoot">
+        <p:cTn xmlns:p14="http://schemas.microsoft.com/office/powerpoint/2010/main" id="1" dur="indefinite" restart="never" nodeType="tmRoot">
           <p:childTnLst>
             <p:seq concurrent="1" nextAc="seek">
               <p:cTn id="2" dur="indefinite" nodeType="mainSeq"/>
@@ -17334,7 +17334,7 @@
       </p:grpSpPr>
       <p:pic>
         <p:nvPicPr>
-          <p:cNvPr id="8" name="Picture 7" descr="pic.png"/>
+          <p:cNvPr id="2" name="Picture 1" descr="effectsofchunksize.png"/>
           <p:cNvPicPr>
             <a:picLocks noChangeAspect="1"/>
           </p:cNvPicPr>
@@ -17354,8 +17354,8 @@
         </p:blipFill>
         <p:spPr>
           <a:xfrm>
-            <a:off x="685800" y="914399"/>
-            <a:ext cx="7725297" cy="5181601"/>
+            <a:off x="685800" y="761999"/>
+            <a:ext cx="7620000" cy="5110975"/>
           </a:xfrm>
           <a:prstGeom prst="rect">
             <a:avLst/>
@@ -17448,21 +17448,21 @@
       </p:grpSpPr>
       <p:graphicFrame>
         <p:nvGraphicFramePr>
-          <p:cNvPr id="6" name="Chart 5"/>
+          <p:cNvPr id="3" name="Chart 2"/>
           <p:cNvGraphicFramePr>
             <a:graphicFrameLocks/>
           </p:cNvGraphicFramePr>
           <p:nvPr>
             <p:extLst>
               <p:ext uri="{D42A27DB-BD31-4B8C-83A1-F6EECF244321}">
-                <p14:modId xmlns:p14="http://schemas.microsoft.com/office/powerpoint/2010/main" val="341545279"/>
+                <p14:modId xmlns:p14="http://schemas.microsoft.com/office/powerpoint/2010/main" val="1117378528"/>
               </p:ext>
             </p:extLst>
           </p:nvPr>
         </p:nvGraphicFramePr>
         <p:xfrm>
-          <a:off x="914400" y="838200"/>
-          <a:ext cx="7010400" cy="4953000"/>
+          <a:off x="762000" y="838200"/>
+          <a:ext cx="7467600" cy="5105400"/>
         </p:xfrm>
         <a:graphic>
           <a:graphicData uri="http://schemas.openxmlformats.org/drawingml/2006/chart">
@@ -18041,7 +18041,7 @@
   <p:timing>
     <p:tnLst>
       <p:par>
-        <p:cTn xmlns:p14="http://schemas.microsoft.com/office/powerpoint/2010/main" id="1" dur="indefinite" nodeType="tmRoot">
+        <p:cTn xmlns:p14="http://schemas.microsoft.com/office/powerpoint/2010/main" id="1" dur="indefinite" restart="never" nodeType="tmRoot">
           <p:childTnLst>
             <p:seq concurrent="1" nextAc="seek">
               <p:cTn id="2" dur="indefinite" nodeType="mainSeq"/>
@@ -18554,7 +18554,7 @@
   <p:timing>
     <p:tnLst>
       <p:par>
-        <p:cTn xmlns:p14="http://schemas.microsoft.com/office/powerpoint/2010/main" id="1" dur="indefinite" nodeType="tmRoot">
+        <p:cTn xmlns:p14="http://schemas.microsoft.com/office/powerpoint/2010/main" id="1" dur="indefinite" restart="never" nodeType="tmRoot">
           <p:childTnLst>
             <p:seq concurrent="1" nextAc="seek">
               <p:cTn id="2" dur="indefinite" nodeType="mainSeq"/>
@@ -18980,7 +18980,7 @@
   <p:timing>
     <p:tnLst>
       <p:par>
-        <p:cTn xmlns:p14="http://schemas.microsoft.com/office/powerpoint/2010/main" id="1" dur="indefinite" nodeType="tmRoot">
+        <p:cTn xmlns:p14="http://schemas.microsoft.com/office/powerpoint/2010/main" id="1" dur="indefinite" restart="never" nodeType="tmRoot">
           <p:childTnLst>
             <p:seq concurrent="1" nextAc="seek">
               <p:cTn id="2" dur="indefinite" nodeType="mainSeq"/>
@@ -19391,7 +19391,7 @@
   <p:timing>
     <p:tnLst>
       <p:par>
-        <p:cTn xmlns:p14="http://schemas.microsoft.com/office/powerpoint/2010/main" id="1" dur="indefinite" nodeType="tmRoot">
+        <p:cTn xmlns:p14="http://schemas.microsoft.com/office/powerpoint/2010/main" id="1" dur="indefinite" restart="never" nodeType="tmRoot">
           <p:childTnLst>
             <p:seq concurrent="1" nextAc="seek">
               <p:cTn id="2" dur="indefinite" nodeType="mainSeq"/>
@@ -19709,7 +19709,7 @@
   <p:timing>
     <p:tnLst>
       <p:par>
-        <p:cTn xmlns:p14="http://schemas.microsoft.com/office/powerpoint/2010/main" id="1" dur="indefinite" nodeType="tmRoot">
+        <p:cTn xmlns:p14="http://schemas.microsoft.com/office/powerpoint/2010/main" id="1" dur="indefinite" restart="never" nodeType="tmRoot">
           <p:childTnLst>
             <p:seq concurrent="1" nextAc="seek">
               <p:cTn id="2" dur="indefinite" nodeType="mainSeq"/>
@@ -20175,7 +20175,7 @@
   <p:timing>
     <p:tnLst>
       <p:par>
-        <p:cTn xmlns:p14="http://schemas.microsoft.com/office/powerpoint/2010/main" id="1" dur="indefinite" nodeType="tmRoot">
+        <p:cTn xmlns:p14="http://schemas.microsoft.com/office/powerpoint/2010/main" id="1" dur="indefinite" restart="never" nodeType="tmRoot">
           <p:childTnLst>
             <p:seq concurrent="1" nextAc="seek">
               <p:cTn id="2" dur="indefinite" nodeType="mainSeq"/>
@@ -20390,7 +20390,7 @@
   <p:timing>
     <p:tnLst>
       <p:par>
-        <p:cTn xmlns:p14="http://schemas.microsoft.com/office/powerpoint/2010/main" id="1" dur="indefinite" nodeType="tmRoot">
+        <p:cTn xmlns:p14="http://schemas.microsoft.com/office/powerpoint/2010/main" id="1" dur="indefinite" restart="never" nodeType="tmRoot">
           <p:childTnLst>
             <p:seq concurrent="1" nextAc="seek">
               <p:cTn id="2" dur="indefinite" nodeType="mainSeq"/>
@@ -20761,7 +20761,7 @@
   <p:timing>
     <p:tnLst>
       <p:par>
-        <p:cTn xmlns:p14="http://schemas.microsoft.com/office/powerpoint/2010/main" id="1" dur="indefinite" nodeType="tmRoot">
+        <p:cTn xmlns:p14="http://schemas.microsoft.com/office/powerpoint/2010/main" id="1" dur="indefinite" restart="never" nodeType="tmRoot">
           <p:childTnLst>
             <p:seq concurrent="1" nextAc="seek">
               <p:cTn id="2" dur="indefinite" nodeType="mainSeq"/>
@@ -21200,7 +21200,7 @@
   <p:timing>
     <p:tnLst>
       <p:par>
-        <p:cTn xmlns:p14="http://schemas.microsoft.com/office/powerpoint/2010/main" id="1" dur="indefinite" nodeType="tmRoot">
+        <p:cTn xmlns:p14="http://schemas.microsoft.com/office/powerpoint/2010/main" id="1" dur="indefinite" restart="never" nodeType="tmRoot">
           <p:childTnLst>
             <p:seq concurrent="1" nextAc="seek">
               <p:cTn id="2" dur="indefinite" nodeType="mainSeq"/>
@@ -21345,7 +21345,7 @@
   <p:timing>
     <p:tnLst>
       <p:par>
-        <p:cTn xmlns:p14="http://schemas.microsoft.com/office/powerpoint/2010/main" id="1" dur="indefinite" nodeType="tmRoot">
+        <p:cTn xmlns:p14="http://schemas.microsoft.com/office/powerpoint/2010/main" id="1" dur="indefinite" restart="never" nodeType="tmRoot">
           <p:childTnLst>
             <p:seq concurrent="1" nextAc="seek">
               <p:cTn id="2" dur="indefinite" nodeType="mainSeq"/>
